--- a/assets/btns.pptx
+++ b/assets/btns.pptx
@@ -8,6 +8,8 @@
     <p:sldId id="256" r:id="rId2"/>
     <p:sldId id="257" r:id="rId3"/>
     <p:sldId id="258" r:id="rId4"/>
+    <p:sldId id="259" r:id="rId5"/>
+    <p:sldId id="260" r:id="rId6"/>
   </p:sldIdLst>
   <p:sldSz cx="1079500" cy="1079500"/>
   <p:notesSz cx="6858000" cy="9144000"/>
@@ -1146,6 +1148,152 @@
     <p:extLst>
       <p:ext uri="{BB962C8B-B14F-4D97-AF65-F5344CB8AC3E}">
         <p14:creationId xmlns:p14="http://schemas.microsoft.com/office/powerpoint/2010/main" val="520514051"/>
+      </p:ext>
+    </p:extLst>
+  </p:cSld>
+  <p:clrMapOvr>
+    <a:masterClrMapping/>
+  </p:clrMapOvr>
+</p:sld>
+</file>
+
+<file path=ppt/slides/slide4.xml><?xml version="1.0" encoding="utf-8"?>
+<p:sld xmlns:a="http://schemas.openxmlformats.org/drawingml/2006/main" xmlns:r="http://schemas.openxmlformats.org/officeDocument/2006/relationships" xmlns:p="http://schemas.openxmlformats.org/presentationml/2006/main">
+  <p:cSld>
+    <p:spTree>
+      <p:nvGrpSpPr>
+        <p:cNvPr id="1" name=""/>
+        <p:cNvGrpSpPr/>
+        <p:nvPr/>
+      </p:nvGrpSpPr>
+      <p:grpSpPr>
+        <a:xfrm>
+          <a:off x="0" y="0"/>
+          <a:ext cx="0" cy="0"/>
+          <a:chOff x="0" y="0"/>
+          <a:chExt cx="0" cy="0"/>
+        </a:xfrm>
+      </p:grpSpPr>
+      <p:sp>
+        <p:nvSpPr>
+          <p:cNvPr id="2" name="Text Placeholder 1">
+            <a:extLst>
+              <a:ext uri="{FF2B5EF4-FFF2-40B4-BE49-F238E27FC236}">
+                <a16:creationId xmlns:a16="http://schemas.microsoft.com/office/drawing/2014/main" id="{4FEC65A7-FF6F-C74F-9D36-F3B58622E929}"/>
+              </a:ext>
+            </a:extLst>
+          </p:cNvPr>
+          <p:cNvSpPr>
+            <a:spLocks noGrp="1"/>
+          </p:cNvSpPr>
+          <p:nvPr>
+            <p:ph type="body" sz="quarter" idx="10"/>
+          </p:nvPr>
+        </p:nvSpPr>
+        <p:spPr/>
+        <p:txBody>
+          <a:bodyPr/>
+          <a:lstStyle/>
+          <a:p>
+            <a:r>
+              <a:rPr lang="en-US" dirty="0"/>
+              <a:t>Physics Main</a:t>
+            </a:r>
+          </a:p>
+          <a:p>
+            <a:r>
+              <a:rPr lang="en-US" b="0" dirty="0"/>
+              <a:t>Lecture Theatre</a:t>
+            </a:r>
+          </a:p>
+          <a:p>
+            <a:endParaRPr lang="en-US" b="0" dirty="0"/>
+          </a:p>
+          <a:p>
+            <a:r>
+              <a:rPr lang="en-US" b="0" dirty="0"/>
+              <a:t>Front</a:t>
+            </a:r>
+          </a:p>
+        </p:txBody>
+      </p:sp>
+    </p:spTree>
+    <p:extLst>
+      <p:ext uri="{BB962C8B-B14F-4D97-AF65-F5344CB8AC3E}">
+        <p14:creationId xmlns:p14="http://schemas.microsoft.com/office/powerpoint/2010/main" val="2746041649"/>
+      </p:ext>
+    </p:extLst>
+  </p:cSld>
+  <p:clrMapOvr>
+    <a:masterClrMapping/>
+  </p:clrMapOvr>
+</p:sld>
+</file>
+
+<file path=ppt/slides/slide5.xml><?xml version="1.0" encoding="utf-8"?>
+<p:sld xmlns:a="http://schemas.openxmlformats.org/drawingml/2006/main" xmlns:r="http://schemas.openxmlformats.org/officeDocument/2006/relationships" xmlns:p="http://schemas.openxmlformats.org/presentationml/2006/main">
+  <p:cSld>
+    <p:spTree>
+      <p:nvGrpSpPr>
+        <p:cNvPr id="1" name=""/>
+        <p:cNvGrpSpPr/>
+        <p:nvPr/>
+      </p:nvGrpSpPr>
+      <p:grpSpPr>
+        <a:xfrm>
+          <a:off x="0" y="0"/>
+          <a:ext cx="0" cy="0"/>
+          <a:chOff x="0" y="0"/>
+          <a:chExt cx="0" cy="0"/>
+        </a:xfrm>
+      </p:grpSpPr>
+      <p:sp>
+        <p:nvSpPr>
+          <p:cNvPr id="2" name="Text Placeholder 1">
+            <a:extLst>
+              <a:ext uri="{FF2B5EF4-FFF2-40B4-BE49-F238E27FC236}">
+                <a16:creationId xmlns:a16="http://schemas.microsoft.com/office/drawing/2014/main" id="{4FEC65A7-FF6F-C74F-9D36-F3B58622E929}"/>
+              </a:ext>
+            </a:extLst>
+          </p:cNvPr>
+          <p:cNvSpPr>
+            <a:spLocks noGrp="1"/>
+          </p:cNvSpPr>
+          <p:nvPr>
+            <p:ph type="body" sz="quarter" idx="10"/>
+          </p:nvPr>
+        </p:nvSpPr>
+        <p:spPr/>
+        <p:txBody>
+          <a:bodyPr/>
+          <a:lstStyle/>
+          <a:p>
+            <a:r>
+              <a:rPr lang="en-US" dirty="0"/>
+              <a:t>Physics Main</a:t>
+            </a:r>
+          </a:p>
+          <a:p>
+            <a:r>
+              <a:rPr lang="en-US" b="0" dirty="0"/>
+              <a:t>Lecture Theatre</a:t>
+            </a:r>
+          </a:p>
+          <a:p>
+            <a:endParaRPr lang="en-US" b="0" dirty="0"/>
+          </a:p>
+          <a:p>
+            <a:r>
+              <a:rPr lang="en-US" b="0" dirty="0"/>
+              <a:t>Back</a:t>
+            </a:r>
+          </a:p>
+        </p:txBody>
+      </p:sp>
+    </p:spTree>
+    <p:extLst>
+      <p:ext uri="{BB962C8B-B14F-4D97-AF65-F5344CB8AC3E}">
+        <p14:creationId xmlns:p14="http://schemas.microsoft.com/office/powerpoint/2010/main" val="189841255"/>
       </p:ext>
     </p:extLst>
   </p:cSld>

--- a/assets/btns.pptx
+++ b/assets/btns.pptx
@@ -10,6 +10,11 @@
     <p:sldId id="258" r:id="rId4"/>
     <p:sldId id="259" r:id="rId5"/>
     <p:sldId id="260" r:id="rId6"/>
+    <p:sldId id="261" r:id="rId7"/>
+    <p:sldId id="262" r:id="rId8"/>
+    <p:sldId id="263" r:id="rId9"/>
+    <p:sldId id="264" r:id="rId10"/>
+    <p:sldId id="265" r:id="rId11"/>
   </p:sldIdLst>
   <p:sldSz cx="1079500" cy="1079500"/>
   <p:notesSz cx="6858000" cy="9144000"/>
@@ -1032,6 +1037,64 @@
 </p:sld>
 </file>
 
+<file path=ppt/slides/slide10.xml><?xml version="1.0" encoding="utf-8"?>
+<p:sld xmlns:a="http://schemas.openxmlformats.org/drawingml/2006/main" xmlns:r="http://schemas.openxmlformats.org/officeDocument/2006/relationships" xmlns:p="http://schemas.openxmlformats.org/presentationml/2006/main">
+  <p:cSld>
+    <p:spTree>
+      <p:nvGrpSpPr>
+        <p:cNvPr id="1" name=""/>
+        <p:cNvGrpSpPr/>
+        <p:nvPr/>
+      </p:nvGrpSpPr>
+      <p:grpSpPr>
+        <a:xfrm>
+          <a:off x="0" y="0"/>
+          <a:ext cx="0" cy="0"/>
+          <a:chOff x="0" y="0"/>
+          <a:chExt cx="0" cy="0"/>
+        </a:xfrm>
+      </p:grpSpPr>
+      <p:sp>
+        <p:nvSpPr>
+          <p:cNvPr id="2" name="Text Placeholder 1">
+            <a:extLst>
+              <a:ext uri="{FF2B5EF4-FFF2-40B4-BE49-F238E27FC236}">
+                <a16:creationId xmlns:a16="http://schemas.microsoft.com/office/drawing/2014/main" id="{4DF0B04B-9149-FF4D-A176-E1D6E8709589}"/>
+              </a:ext>
+            </a:extLst>
+          </p:cNvPr>
+          <p:cNvSpPr>
+            <a:spLocks noGrp="1"/>
+          </p:cNvSpPr>
+          <p:nvPr>
+            <p:ph type="body" sz="quarter" idx="10"/>
+          </p:nvPr>
+        </p:nvSpPr>
+        <p:spPr/>
+        <p:txBody>
+          <a:bodyPr/>
+          <a:lstStyle/>
+          <a:p>
+            <a:r>
+              <a:rPr lang="en-US" dirty="0"/>
+              <a:t>Outdoor Robotics Workshop</a:t>
+            </a:r>
+          </a:p>
+        </p:txBody>
+      </p:sp>
+    </p:spTree>
+    <p:extLst>
+      <p:ext uri="{BB962C8B-B14F-4D97-AF65-F5344CB8AC3E}">
+        <p14:creationId xmlns:p14="http://schemas.microsoft.com/office/powerpoint/2010/main" val="758043925"/>
+      </p:ext>
+    </p:extLst>
+  </p:cSld>
+  <p:clrMapOvr>
+    <a:masterClrMapping/>
+  </p:clrMapOvr>
+</p:sld>
+</file>
+
 <file path=ppt/slides/slide2.xml><?xml version="1.0" encoding="utf-8"?>
 <p:sld xmlns:a="http://schemas.openxmlformats.org/drawingml/2006/main" xmlns:r="http://schemas.openxmlformats.org/officeDocument/2006/relationships" xmlns:p="http://schemas.openxmlformats.org/presentationml/2006/main">
   <p:cSld>
@@ -1294,6 +1357,274 @@
     <p:extLst>
       <p:ext uri="{BB962C8B-B14F-4D97-AF65-F5344CB8AC3E}">
         <p14:creationId xmlns:p14="http://schemas.microsoft.com/office/powerpoint/2010/main" val="189841255"/>
+      </p:ext>
+    </p:extLst>
+  </p:cSld>
+  <p:clrMapOvr>
+    <a:masterClrMapping/>
+  </p:clrMapOvr>
+</p:sld>
+</file>
+
+<file path=ppt/slides/slide6.xml><?xml version="1.0" encoding="utf-8"?>
+<p:sld xmlns:a="http://schemas.openxmlformats.org/drawingml/2006/main" xmlns:r="http://schemas.openxmlformats.org/officeDocument/2006/relationships" xmlns:p="http://schemas.openxmlformats.org/presentationml/2006/main">
+  <p:cSld>
+    <p:spTree>
+      <p:nvGrpSpPr>
+        <p:cNvPr id="1" name=""/>
+        <p:cNvGrpSpPr/>
+        <p:nvPr/>
+      </p:nvGrpSpPr>
+      <p:grpSpPr>
+        <a:xfrm>
+          <a:off x="0" y="0"/>
+          <a:ext cx="0" cy="0"/>
+          <a:chOff x="0" y="0"/>
+          <a:chExt cx="0" cy="0"/>
+        </a:xfrm>
+      </p:grpSpPr>
+      <p:sp>
+        <p:nvSpPr>
+          <p:cNvPr id="2" name="Text Placeholder 1">
+            <a:extLst>
+              <a:ext uri="{FF2B5EF4-FFF2-40B4-BE49-F238E27FC236}">
+                <a16:creationId xmlns:a16="http://schemas.microsoft.com/office/drawing/2014/main" id="{A96F75CF-DD17-534D-8861-B6D2195546FF}"/>
+              </a:ext>
+            </a:extLst>
+          </p:cNvPr>
+          <p:cNvSpPr>
+            <a:spLocks noGrp="1"/>
+          </p:cNvSpPr>
+          <p:nvPr>
+            <p:ph type="body" sz="quarter" idx="10"/>
+          </p:nvPr>
+        </p:nvSpPr>
+        <p:spPr/>
+        <p:txBody>
+          <a:bodyPr/>
+          <a:lstStyle/>
+          <a:p>
+            <a:r>
+              <a:rPr lang="en-US" dirty="0"/>
+              <a:t>Physical Sciences Building</a:t>
+            </a:r>
+          </a:p>
+          <a:p>
+            <a:endParaRPr lang="en-US" dirty="0"/>
+          </a:p>
+          <a:p>
+            <a:r>
+              <a:rPr lang="en-US" b="0" dirty="0"/>
+              <a:t>Foyer Centre</a:t>
+            </a:r>
+          </a:p>
+        </p:txBody>
+      </p:sp>
+    </p:spTree>
+    <p:extLst>
+      <p:ext uri="{BB962C8B-B14F-4D97-AF65-F5344CB8AC3E}">
+        <p14:creationId xmlns:p14="http://schemas.microsoft.com/office/powerpoint/2010/main" val="37765620"/>
+      </p:ext>
+    </p:extLst>
+  </p:cSld>
+  <p:clrMapOvr>
+    <a:masterClrMapping/>
+  </p:clrMapOvr>
+</p:sld>
+</file>
+
+<file path=ppt/slides/slide7.xml><?xml version="1.0" encoding="utf-8"?>
+<p:sld xmlns:a="http://schemas.openxmlformats.org/drawingml/2006/main" xmlns:r="http://schemas.openxmlformats.org/officeDocument/2006/relationships" xmlns:p="http://schemas.openxmlformats.org/presentationml/2006/main">
+  <p:cSld>
+    <p:spTree>
+      <p:nvGrpSpPr>
+        <p:cNvPr id="1" name=""/>
+        <p:cNvGrpSpPr/>
+        <p:nvPr/>
+      </p:nvGrpSpPr>
+      <p:grpSpPr>
+        <a:xfrm>
+          <a:off x="0" y="0"/>
+          <a:ext cx="0" cy="0"/>
+          <a:chOff x="0" y="0"/>
+          <a:chExt cx="0" cy="0"/>
+        </a:xfrm>
+      </p:grpSpPr>
+      <p:sp>
+        <p:nvSpPr>
+          <p:cNvPr id="2" name="Text Placeholder 1">
+            <a:extLst>
+              <a:ext uri="{FF2B5EF4-FFF2-40B4-BE49-F238E27FC236}">
+                <a16:creationId xmlns:a16="http://schemas.microsoft.com/office/drawing/2014/main" id="{0BB21551-E00B-3A40-871A-C29518DCC2E6}"/>
+              </a:ext>
+            </a:extLst>
+          </p:cNvPr>
+          <p:cNvSpPr>
+            <a:spLocks noGrp="1"/>
+          </p:cNvSpPr>
+          <p:nvPr>
+            <p:ph type="body" sz="quarter" idx="10"/>
+          </p:nvPr>
+        </p:nvSpPr>
+        <p:spPr/>
+        <p:txBody>
+          <a:bodyPr/>
+          <a:lstStyle/>
+          <a:p>
+            <a:r>
+              <a:rPr lang="en-US" dirty="0"/>
+              <a:t>Physical Sciences Building</a:t>
+            </a:r>
+          </a:p>
+          <a:p>
+            <a:endParaRPr lang="en-US" dirty="0"/>
+          </a:p>
+          <a:p>
+            <a:r>
+              <a:rPr lang="en-US" b="0" dirty="0"/>
+              <a:t>Foyer Side</a:t>
+            </a:r>
+          </a:p>
+        </p:txBody>
+      </p:sp>
+    </p:spTree>
+    <p:extLst>
+      <p:ext uri="{BB962C8B-B14F-4D97-AF65-F5344CB8AC3E}">
+        <p14:creationId xmlns:p14="http://schemas.microsoft.com/office/powerpoint/2010/main" val="3140629464"/>
+      </p:ext>
+    </p:extLst>
+  </p:cSld>
+  <p:clrMapOvr>
+    <a:masterClrMapping/>
+  </p:clrMapOvr>
+</p:sld>
+</file>
+
+<file path=ppt/slides/slide8.xml><?xml version="1.0" encoding="utf-8"?>
+<p:sld xmlns:a="http://schemas.openxmlformats.org/drawingml/2006/main" xmlns:r="http://schemas.openxmlformats.org/officeDocument/2006/relationships" xmlns:p="http://schemas.openxmlformats.org/presentationml/2006/main">
+  <p:cSld>
+    <p:spTree>
+      <p:nvGrpSpPr>
+        <p:cNvPr id="1" name=""/>
+        <p:cNvGrpSpPr/>
+        <p:nvPr/>
+      </p:nvGrpSpPr>
+      <p:grpSpPr>
+        <a:xfrm>
+          <a:off x="0" y="0"/>
+          <a:ext cx="0" cy="0"/>
+          <a:chOff x="0" y="0"/>
+          <a:chExt cx="0" cy="0"/>
+        </a:xfrm>
+      </p:grpSpPr>
+      <p:sp>
+        <p:nvSpPr>
+          <p:cNvPr id="2" name="Text Placeholder 1">
+            <a:extLst>
+              <a:ext uri="{FF2B5EF4-FFF2-40B4-BE49-F238E27FC236}">
+                <a16:creationId xmlns:a16="http://schemas.microsoft.com/office/drawing/2014/main" id="{71A3217C-7625-BC4A-A18B-EC771E85CE87}"/>
+              </a:ext>
+            </a:extLst>
+          </p:cNvPr>
+          <p:cNvSpPr>
+            <a:spLocks noGrp="1"/>
+          </p:cNvSpPr>
+          <p:nvPr>
+            <p:ph type="body" sz="quarter" idx="10"/>
+          </p:nvPr>
+        </p:nvSpPr>
+        <p:spPr/>
+        <p:txBody>
+          <a:bodyPr/>
+          <a:lstStyle/>
+          <a:p>
+            <a:r>
+              <a:rPr lang="en-US" dirty="0"/>
+              <a:t>Physical Sciences Building</a:t>
+            </a:r>
+          </a:p>
+          <a:p>
+            <a:endParaRPr lang="en-US" dirty="0"/>
+          </a:p>
+          <a:p>
+            <a:r>
+              <a:rPr lang="en-US" b="0" dirty="0"/>
+              <a:t>Lecture Theatre A</a:t>
+            </a:r>
+          </a:p>
+        </p:txBody>
+      </p:sp>
+    </p:spTree>
+    <p:extLst>
+      <p:ext uri="{BB962C8B-B14F-4D97-AF65-F5344CB8AC3E}">
+        <p14:creationId xmlns:p14="http://schemas.microsoft.com/office/powerpoint/2010/main" val="3847499419"/>
+      </p:ext>
+    </p:extLst>
+  </p:cSld>
+  <p:clrMapOvr>
+    <a:masterClrMapping/>
+  </p:clrMapOvr>
+</p:sld>
+</file>
+
+<file path=ppt/slides/slide9.xml><?xml version="1.0" encoding="utf-8"?>
+<p:sld xmlns:a="http://schemas.openxmlformats.org/drawingml/2006/main" xmlns:r="http://schemas.openxmlformats.org/officeDocument/2006/relationships" xmlns:p="http://schemas.openxmlformats.org/presentationml/2006/main">
+  <p:cSld>
+    <p:spTree>
+      <p:nvGrpSpPr>
+        <p:cNvPr id="1" name=""/>
+        <p:cNvGrpSpPr/>
+        <p:nvPr/>
+      </p:nvGrpSpPr>
+      <p:grpSpPr>
+        <a:xfrm>
+          <a:off x="0" y="0"/>
+          <a:ext cx="0" cy="0"/>
+          <a:chOff x="0" y="0"/>
+          <a:chExt cx="0" cy="0"/>
+        </a:xfrm>
+      </p:grpSpPr>
+      <p:sp>
+        <p:nvSpPr>
+          <p:cNvPr id="2" name="Text Placeholder 1">
+            <a:extLst>
+              <a:ext uri="{FF2B5EF4-FFF2-40B4-BE49-F238E27FC236}">
+                <a16:creationId xmlns:a16="http://schemas.microsoft.com/office/drawing/2014/main" id="{C5AA057E-1F86-5449-B865-97A605F8C7CB}"/>
+              </a:ext>
+            </a:extLst>
+          </p:cNvPr>
+          <p:cNvSpPr>
+            <a:spLocks noGrp="1"/>
+          </p:cNvSpPr>
+          <p:nvPr>
+            <p:ph type="body" sz="quarter" idx="10"/>
+          </p:nvPr>
+        </p:nvSpPr>
+        <p:spPr/>
+        <p:txBody>
+          <a:bodyPr/>
+          <a:lstStyle/>
+          <a:p>
+            <a:r>
+              <a:rPr lang="en-US" dirty="0"/>
+              <a:t>Physical Sciences Building</a:t>
+            </a:r>
+          </a:p>
+          <a:p>
+            <a:endParaRPr lang="en-US" dirty="0"/>
+          </a:p>
+          <a:p>
+            <a:r>
+              <a:rPr lang="en-US" b="0" dirty="0"/>
+              <a:t>Lecture Theatre B</a:t>
+            </a:r>
+          </a:p>
+        </p:txBody>
+      </p:sp>
+    </p:spTree>
+    <p:extLst>
+      <p:ext uri="{BB962C8B-B14F-4D97-AF65-F5344CB8AC3E}">
+        <p14:creationId xmlns:p14="http://schemas.microsoft.com/office/powerpoint/2010/main" val="806607279"/>
       </p:ext>
     </p:extLst>
   </p:cSld>
